--- a/SA.pptx
+++ b/SA.pptx
@@ -5,42 +5,44 @@
     <p:sldMasterId id="2147483648" r:id="rId1"/>
   </p:sldMasterIdLst>
   <p:notesMasterIdLst>
-    <p:notesMasterId r:id="rId11"/>
+    <p:notesMasterId r:id="rId13"/>
   </p:notesMasterIdLst>
   <p:sldIdLst>
     <p:sldId id="256" r:id="rId2"/>
     <p:sldId id="259" r:id="rId3"/>
-    <p:sldId id="285" r:id="rId4"/>
-    <p:sldId id="295" r:id="rId5"/>
-    <p:sldId id="290" r:id="rId6"/>
-    <p:sldId id="291" r:id="rId7"/>
-    <p:sldId id="292" r:id="rId8"/>
-    <p:sldId id="293" r:id="rId9"/>
-    <p:sldId id="284" r:id="rId10"/>
+    <p:sldId id="296" r:id="rId4"/>
+    <p:sldId id="297" r:id="rId5"/>
+    <p:sldId id="285" r:id="rId6"/>
+    <p:sldId id="295" r:id="rId7"/>
+    <p:sldId id="290" r:id="rId8"/>
+    <p:sldId id="291" r:id="rId9"/>
+    <p:sldId id="292" r:id="rId10"/>
+    <p:sldId id="293" r:id="rId11"/>
+    <p:sldId id="284" r:id="rId12"/>
   </p:sldIdLst>
   <p:sldSz cx="9144000" cy="5143500" type="screen16x9"/>
   <p:notesSz cx="6858000" cy="9144000"/>
   <p:embeddedFontLst>
     <p:embeddedFont>
-      <p:font typeface="Raleway" panose="020B0604020202020204" charset="0"/>
-      <p:regular r:id="rId12"/>
-      <p:bold r:id="rId13"/>
-      <p:italic r:id="rId14"/>
-      <p:boldItalic r:id="rId15"/>
-    </p:embeddedFont>
-    <p:embeddedFont>
       <p:font typeface="Roboto" panose="020B0604020202020204" charset="0"/>
-      <p:regular r:id="rId16"/>
-      <p:bold r:id="rId17"/>
-      <p:italic r:id="rId18"/>
-      <p:boldItalic r:id="rId19"/>
+      <p:regular r:id="rId14"/>
+      <p:bold r:id="rId15"/>
+      <p:italic r:id="rId16"/>
+      <p:boldItalic r:id="rId17"/>
     </p:embeddedFont>
     <p:embeddedFont>
       <p:font typeface="Unna" panose="020B0604020202020204" charset="0"/>
-      <p:regular r:id="rId20"/>
-      <p:bold r:id="rId21"/>
-      <p:italic r:id="rId22"/>
-      <p:boldItalic r:id="rId23"/>
+      <p:regular r:id="rId18"/>
+      <p:bold r:id="rId19"/>
+      <p:italic r:id="rId20"/>
+      <p:boldItalic r:id="rId21"/>
+    </p:embeddedFont>
+    <p:embeddedFont>
+      <p:font typeface="Raleway" panose="020B0604020202020204" charset="0"/>
+      <p:regular r:id="rId22"/>
+      <p:bold r:id="rId23"/>
+      <p:italic r:id="rId24"/>
+      <p:boldItalic r:id="rId25"/>
     </p:embeddedFont>
   </p:embeddedFontLst>
   <p:defaultTextStyle>
@@ -277,7 +279,7 @@
       <p15:sldGuideLst xmlns:p15="http://schemas.microsoft.com/office/powerpoint/2012/main"/>
     </p:ext>
     <p:ext uri="http://customooxmlschemas.google.com/">
-      <go:slidesCustomData xmlns:go="http://customooxmlschemas.google.com/" xmlns:ahyp="http://schemas.microsoft.com/office/drawing/2018/hyperlinkcolor" xmlns:p15="http://schemas.microsoft.com/office/powerpoint/2012/main" xmlns:p14="http://schemas.microsoft.com/office/powerpoint/2010/main" xmlns:com="http://schemas.openxmlformats.org/drawingml/2006/compatibility" xmlns:pvml="urn:schemas-microsoft-com:office:powerpoint" xmlns:v="urn:schemas-microsoft-com:vml" xmlns:o="urn:schemas-microsoft-com:office:office" xmlns:dgm="http://schemas.openxmlformats.org/drawingml/2006/diagram" xmlns:c="http://schemas.openxmlformats.org/drawingml/2006/chart" xmlns:mv="urn:schemas-microsoft-com:mac:vml" xmlns:mc="http://schemas.openxmlformats.org/markup-compatibility/2006" xmlns="" r:id="rId51" roundtripDataSignature="AMtx7miNtMrMZs8UrfWeB3OCVwUcWF7rgg=="/>
+      <go:slidesCustomData xmlns="" xmlns:mc="http://schemas.openxmlformats.org/markup-compatibility/2006" xmlns:mv="urn:schemas-microsoft-com:mac:vml" xmlns:c="http://schemas.openxmlformats.org/drawingml/2006/chart" xmlns:dgm="http://schemas.openxmlformats.org/drawingml/2006/diagram" xmlns:o="urn:schemas-microsoft-com:office:office" xmlns:v="urn:schemas-microsoft-com:vml" xmlns:pvml="urn:schemas-microsoft-com:office:powerpoint" xmlns:com="http://schemas.openxmlformats.org/drawingml/2006/compatibility" xmlns:p14="http://schemas.microsoft.com/office/powerpoint/2010/main" xmlns:p15="http://schemas.microsoft.com/office/powerpoint/2012/main" xmlns:ahyp="http://schemas.microsoft.com/office/drawing/2018/hyperlinkcolor" xmlns:go="http://customooxmlschemas.google.com/" r:id="rId51" roundtripDataSignature="AMtx7miNtMrMZs8UrfWeB3OCVwUcWF7rgg=="/>
     </p:ext>
   </p:extLst>
 </p:presentation>
@@ -984,6 +986,255 @@
 </p:notes>
 </file>
 
+<file path=ppt/notesSlides/notesSlide10.xml><?xml version="1.0" encoding="utf-8"?>
+<p:notes xmlns:a="http://schemas.openxmlformats.org/drawingml/2006/main" xmlns:r="http://schemas.openxmlformats.org/officeDocument/2006/relationships" xmlns:p="http://schemas.openxmlformats.org/presentationml/2006/main" showMasterSp="0" showMasterPhAnim="0">
+  <p:cSld>
+    <p:spTree>
+      <p:nvGrpSpPr>
+        <p:cNvPr id="1" name="Shape 142"/>
+        <p:cNvGrpSpPr/>
+        <p:nvPr/>
+      </p:nvGrpSpPr>
+      <p:grpSpPr>
+        <a:xfrm>
+          <a:off x="0" y="0"/>
+          <a:ext cx="0" cy="0"/>
+          <a:chOff x="0" y="0"/>
+          <a:chExt cx="0" cy="0"/>
+        </a:xfrm>
+      </p:grpSpPr>
+      <p:sp>
+        <p:nvSpPr>
+          <p:cNvPr id="143" name="Google Shape;143;p5:notes"/>
+          <p:cNvSpPr>
+            <a:spLocks noGrp="1" noRot="1" noChangeAspect="1"/>
+          </p:cNvSpPr>
+          <p:nvPr>
+            <p:ph type="sldImg" idx="2"/>
+          </p:nvPr>
+        </p:nvSpPr>
+        <p:spPr>
+          <a:xfrm>
+            <a:off x="381000" y="685800"/>
+            <a:ext cx="6096000" cy="3429000"/>
+          </a:xfrm>
+          <a:custGeom>
+            <a:avLst/>
+            <a:gdLst/>
+            <a:ahLst/>
+            <a:cxnLst/>
+            <a:rect l="l" t="t" r="r" b="b"/>
+            <a:pathLst>
+              <a:path w="120000" h="120000" extrusionOk="0">
+                <a:moveTo>
+                  <a:pt x="0" y="0"/>
+                </a:moveTo>
+                <a:lnTo>
+                  <a:pt x="120000" y="0"/>
+                </a:lnTo>
+                <a:lnTo>
+                  <a:pt x="120000" y="120000"/>
+                </a:lnTo>
+                <a:lnTo>
+                  <a:pt x="0" y="120000"/>
+                </a:lnTo>
+                <a:close/>
+              </a:path>
+            </a:pathLst>
+          </a:custGeom>
+          <a:noFill/>
+          <a:ln w="9525" cap="flat" cmpd="sng">
+            <a:solidFill>
+              <a:srgbClr val="000000"/>
+            </a:solidFill>
+            <a:prstDash val="solid"/>
+            <a:round/>
+            <a:headEnd type="none" w="sm" len="sm"/>
+            <a:tailEnd type="none" w="sm" len="sm"/>
+          </a:ln>
+        </p:spPr>
+      </p:sp>
+      <p:sp>
+        <p:nvSpPr>
+          <p:cNvPr id="144" name="Google Shape;144;p5:notes"/>
+          <p:cNvSpPr txBox="1">
+            <a:spLocks noGrp="1"/>
+          </p:cNvSpPr>
+          <p:nvPr>
+            <p:ph type="body" idx="1"/>
+          </p:nvPr>
+        </p:nvSpPr>
+        <p:spPr>
+          <a:xfrm>
+            <a:off x="685800" y="4343400"/>
+            <a:ext cx="5486400" cy="4114800"/>
+          </a:xfrm>
+          <a:prstGeom prst="rect">
+            <a:avLst/>
+          </a:prstGeom>
+          <a:noFill/>
+          <a:ln>
+            <a:noFill/>
+          </a:ln>
+        </p:spPr>
+        <p:txBody>
+          <a:bodyPr spcFirstLastPara="1" wrap="square" lIns="91425" tIns="91425" rIns="91425" bIns="91425" anchor="t" anchorCtr="0">
+            <a:noAutofit/>
+          </a:bodyPr>
+          <a:lstStyle/>
+          <a:p>
+            <a:pPr marL="0" lvl="0" indent="0" algn="l" rtl="0">
+              <a:lnSpc>
+                <a:spcPct val="100000"/>
+              </a:lnSpc>
+              <a:spcBef>
+                <a:spcPts val="0"/>
+              </a:spcBef>
+              <a:spcAft>
+                <a:spcPts val="0"/>
+              </a:spcAft>
+              <a:buSzPts val="1100"/>
+              <a:buNone/>
+            </a:pPr>
+            <a:endParaRPr/>
+          </a:p>
+        </p:txBody>
+      </p:sp>
+    </p:spTree>
+    <p:extLst>
+      <p:ext uri="{BB962C8B-B14F-4D97-AF65-F5344CB8AC3E}">
+        <p14:creationId xmlns:p14="http://schemas.microsoft.com/office/powerpoint/2010/main" val="3214847686"/>
+      </p:ext>
+    </p:extLst>
+  </p:cSld>
+  <p:clrMapOvr>
+    <a:masterClrMapping/>
+  </p:clrMapOvr>
+</p:notes>
+</file>
+
+<file path=ppt/notesSlides/notesSlide11.xml><?xml version="1.0" encoding="utf-8"?>
+<p:notes xmlns:a="http://schemas.openxmlformats.org/drawingml/2006/main" xmlns:r="http://schemas.openxmlformats.org/officeDocument/2006/relationships" xmlns:p="http://schemas.openxmlformats.org/presentationml/2006/main" showMasterSp="0" showMasterPhAnim="0">
+  <p:cSld>
+    <p:spTree>
+      <p:nvGrpSpPr>
+        <p:cNvPr id="1" name="Shape 352"/>
+        <p:cNvGrpSpPr/>
+        <p:nvPr/>
+      </p:nvGrpSpPr>
+      <p:grpSpPr>
+        <a:xfrm>
+          <a:off x="0" y="0"/>
+          <a:ext cx="0" cy="0"/>
+          <a:chOff x="0" y="0"/>
+          <a:chExt cx="0" cy="0"/>
+        </a:xfrm>
+      </p:grpSpPr>
+      <p:sp>
+        <p:nvSpPr>
+          <p:cNvPr id="353" name="Google Shape;353;p29:notes"/>
+          <p:cNvSpPr>
+            <a:spLocks noGrp="1" noRot="1" noChangeAspect="1"/>
+          </p:cNvSpPr>
+          <p:nvPr>
+            <p:ph type="sldImg" idx="2"/>
+          </p:nvPr>
+        </p:nvSpPr>
+        <p:spPr>
+          <a:xfrm>
+            <a:off x="381000" y="685800"/>
+            <a:ext cx="6096000" cy="3429000"/>
+          </a:xfrm>
+          <a:custGeom>
+            <a:avLst/>
+            <a:gdLst/>
+            <a:ahLst/>
+            <a:cxnLst/>
+            <a:rect l="l" t="t" r="r" b="b"/>
+            <a:pathLst>
+              <a:path w="120000" h="120000" extrusionOk="0">
+                <a:moveTo>
+                  <a:pt x="0" y="0"/>
+                </a:moveTo>
+                <a:lnTo>
+                  <a:pt x="120000" y="0"/>
+                </a:lnTo>
+                <a:lnTo>
+                  <a:pt x="120000" y="120000"/>
+                </a:lnTo>
+                <a:lnTo>
+                  <a:pt x="0" y="120000"/>
+                </a:lnTo>
+                <a:close/>
+              </a:path>
+            </a:pathLst>
+          </a:custGeom>
+          <a:noFill/>
+          <a:ln w="9525" cap="flat" cmpd="sng">
+            <a:solidFill>
+              <a:srgbClr val="000000"/>
+            </a:solidFill>
+            <a:prstDash val="solid"/>
+            <a:round/>
+            <a:headEnd type="none" w="sm" len="sm"/>
+            <a:tailEnd type="none" w="sm" len="sm"/>
+          </a:ln>
+        </p:spPr>
+      </p:sp>
+      <p:sp>
+        <p:nvSpPr>
+          <p:cNvPr id="354" name="Google Shape;354;p29:notes"/>
+          <p:cNvSpPr txBox="1">
+            <a:spLocks noGrp="1"/>
+          </p:cNvSpPr>
+          <p:nvPr>
+            <p:ph type="body" idx="1"/>
+          </p:nvPr>
+        </p:nvSpPr>
+        <p:spPr>
+          <a:xfrm>
+            <a:off x="685800" y="4343400"/>
+            <a:ext cx="5486400" cy="4114800"/>
+          </a:xfrm>
+          <a:prstGeom prst="rect">
+            <a:avLst/>
+          </a:prstGeom>
+          <a:noFill/>
+          <a:ln>
+            <a:noFill/>
+          </a:ln>
+        </p:spPr>
+        <p:txBody>
+          <a:bodyPr spcFirstLastPara="1" wrap="square" lIns="91425" tIns="91425" rIns="91425" bIns="91425" anchor="t" anchorCtr="0">
+            <a:noAutofit/>
+          </a:bodyPr>
+          <a:lstStyle/>
+          <a:p>
+            <a:pPr marL="0" lvl="0" indent="0" algn="l" rtl="0">
+              <a:lnSpc>
+                <a:spcPct val="100000"/>
+              </a:lnSpc>
+              <a:spcBef>
+                <a:spcPts val="0"/>
+              </a:spcBef>
+              <a:spcAft>
+                <a:spcPts val="0"/>
+              </a:spcAft>
+              <a:buSzPts val="1100"/>
+              <a:buNone/>
+            </a:pPr>
+            <a:endParaRPr/>
+          </a:p>
+        </p:txBody>
+      </p:sp>
+    </p:spTree>
+  </p:cSld>
+  <p:clrMapOvr>
+    <a:masterClrMapping/>
+  </p:clrMapOvr>
+</p:notes>
+</file>
+
 <file path=ppt/notesSlides/notesSlide2.xml><?xml version="1.0" encoding="utf-8"?>
 <p:notes xmlns:a="http://schemas.openxmlformats.org/drawingml/2006/main" xmlns:r="http://schemas.openxmlformats.org/officeDocument/2006/relationships" xmlns:p="http://schemas.openxmlformats.org/presentationml/2006/main" showMasterSp="0" showMasterPhAnim="0">
   <p:cSld>
@@ -1111,7 +1362,7 @@
   <p:cSld>
     <p:spTree>
       <p:nvGrpSpPr>
-        <p:cNvPr id="1" name="Shape 142"/>
+        <p:cNvPr id="1" name="Shape 149"/>
         <p:cNvGrpSpPr/>
         <p:nvPr/>
       </p:nvGrpSpPr>
@@ -1125,7 +1376,7 @@
       </p:grpSpPr>
       <p:sp>
         <p:nvSpPr>
-          <p:cNvPr id="143" name="Google Shape;143;p5:notes"/>
+          <p:cNvPr id="150" name="Google Shape;150;p6:notes"/>
           <p:cNvSpPr>
             <a:spLocks noGrp="1" noRot="1" noChangeAspect="1"/>
           </p:cNvSpPr>
@@ -1176,7 +1427,7 @@
       </p:sp>
       <p:sp>
         <p:nvSpPr>
-          <p:cNvPr id="144" name="Google Shape;144;p5:notes"/>
+          <p:cNvPr id="151" name="Google Shape;151;p6:notes"/>
           <p:cNvSpPr txBox="1">
             <a:spLocks noGrp="1"/>
           </p:cNvSpPr>
@@ -1223,7 +1474,7 @@
     </p:spTree>
     <p:extLst>
       <p:ext uri="{BB962C8B-B14F-4D97-AF65-F5344CB8AC3E}">
-        <p14:creationId xmlns:p14="http://schemas.microsoft.com/office/powerpoint/2010/main" val="1520072167"/>
+        <p14:creationId xmlns:p14="http://schemas.microsoft.com/office/powerpoint/2010/main" val="2235091595"/>
       </p:ext>
     </p:extLst>
   </p:cSld>
@@ -1238,7 +1489,7 @@
   <p:cSld>
     <p:spTree>
       <p:nvGrpSpPr>
-        <p:cNvPr id="1" name="Shape 142"/>
+        <p:cNvPr id="1" name="Shape 156"/>
         <p:cNvGrpSpPr/>
         <p:nvPr/>
       </p:nvGrpSpPr>
@@ -1252,7 +1503,7 @@
       </p:grpSpPr>
       <p:sp>
         <p:nvSpPr>
-          <p:cNvPr id="143" name="Google Shape;143;p5:notes"/>
+          <p:cNvPr id="157" name="Google Shape;157;p7:notes"/>
           <p:cNvSpPr>
             <a:spLocks noGrp="1" noRot="1" noChangeAspect="1"/>
           </p:cNvSpPr>
@@ -1303,7 +1554,7 @@
       </p:sp>
       <p:sp>
         <p:nvSpPr>
-          <p:cNvPr id="144" name="Google Shape;144;p5:notes"/>
+          <p:cNvPr id="158" name="Google Shape;158;p7:notes"/>
           <p:cNvSpPr txBox="1">
             <a:spLocks noGrp="1"/>
           </p:cNvSpPr>
@@ -1350,7 +1601,7 @@
     </p:spTree>
     <p:extLst>
       <p:ext uri="{BB962C8B-B14F-4D97-AF65-F5344CB8AC3E}">
-        <p14:creationId xmlns:p14="http://schemas.microsoft.com/office/powerpoint/2010/main" val="2538322503"/>
+        <p14:creationId xmlns:p14="http://schemas.microsoft.com/office/powerpoint/2010/main" val="4069147918"/>
       </p:ext>
     </p:extLst>
   </p:cSld>
@@ -1477,7 +1728,7 @@
     </p:spTree>
     <p:extLst>
       <p:ext uri="{BB962C8B-B14F-4D97-AF65-F5344CB8AC3E}">
-        <p14:creationId xmlns:p14="http://schemas.microsoft.com/office/powerpoint/2010/main" val="4035386508"/>
+        <p14:creationId xmlns:p14="http://schemas.microsoft.com/office/powerpoint/2010/main" val="1520072167"/>
       </p:ext>
     </p:extLst>
   </p:cSld>
@@ -1604,7 +1855,7 @@
     </p:spTree>
     <p:extLst>
       <p:ext uri="{BB962C8B-B14F-4D97-AF65-F5344CB8AC3E}">
-        <p14:creationId xmlns:p14="http://schemas.microsoft.com/office/powerpoint/2010/main" val="1594863808"/>
+        <p14:creationId xmlns:p14="http://schemas.microsoft.com/office/powerpoint/2010/main" val="2538322503"/>
       </p:ext>
     </p:extLst>
   </p:cSld>
@@ -1731,7 +1982,7 @@
     </p:spTree>
     <p:extLst>
       <p:ext uri="{BB962C8B-B14F-4D97-AF65-F5344CB8AC3E}">
-        <p14:creationId xmlns:p14="http://schemas.microsoft.com/office/powerpoint/2010/main" val="723259048"/>
+        <p14:creationId xmlns:p14="http://schemas.microsoft.com/office/powerpoint/2010/main" val="4035386508"/>
       </p:ext>
     </p:extLst>
   </p:cSld>
@@ -1858,7 +2109,7 @@
     </p:spTree>
     <p:extLst>
       <p:ext uri="{BB962C8B-B14F-4D97-AF65-F5344CB8AC3E}">
-        <p14:creationId xmlns:p14="http://schemas.microsoft.com/office/powerpoint/2010/main" val="3214847686"/>
+        <p14:creationId xmlns:p14="http://schemas.microsoft.com/office/powerpoint/2010/main" val="1594863808"/>
       </p:ext>
     </p:extLst>
   </p:cSld>
@@ -1873,7 +2124,7 @@
   <p:cSld>
     <p:spTree>
       <p:nvGrpSpPr>
-        <p:cNvPr id="1" name="Shape 352"/>
+        <p:cNvPr id="1" name="Shape 142"/>
         <p:cNvGrpSpPr/>
         <p:nvPr/>
       </p:nvGrpSpPr>
@@ -1887,7 +2138,7 @@
       </p:grpSpPr>
       <p:sp>
         <p:nvSpPr>
-          <p:cNvPr id="353" name="Google Shape;353;p29:notes"/>
+          <p:cNvPr id="143" name="Google Shape;143;p5:notes"/>
           <p:cNvSpPr>
             <a:spLocks noGrp="1" noRot="1" noChangeAspect="1"/>
           </p:cNvSpPr>
@@ -1938,7 +2189,7 @@
       </p:sp>
       <p:sp>
         <p:nvSpPr>
-          <p:cNvPr id="354" name="Google Shape;354;p29:notes"/>
+          <p:cNvPr id="144" name="Google Shape;144;p5:notes"/>
           <p:cNvSpPr txBox="1">
             <a:spLocks noGrp="1"/>
           </p:cNvSpPr>
@@ -1983,6 +2234,11 @@
         </p:txBody>
       </p:sp>
     </p:spTree>
+    <p:extLst>
+      <p:ext uri="{BB962C8B-B14F-4D97-AF65-F5344CB8AC3E}">
+        <p14:creationId xmlns:p14="http://schemas.microsoft.com/office/powerpoint/2010/main" val="723259048"/>
+      </p:ext>
+    </p:extLst>
   </p:cSld>
   <p:clrMapOvr>
     <a:masterClrMapping/>
@@ -8795,6 +9051,367 @@
 </p:sld>
 </file>
 
+<file path=ppt/slides/slide10.xml><?xml version="1.0" encoding="utf-8"?>
+<p:sld xmlns:a="http://schemas.openxmlformats.org/drawingml/2006/main" xmlns:r="http://schemas.openxmlformats.org/officeDocument/2006/relationships" xmlns:p="http://schemas.openxmlformats.org/presentationml/2006/main">
+  <p:cSld>
+    <p:spTree>
+      <p:nvGrpSpPr>
+        <p:cNvPr id="1" name="Shape 145"/>
+        <p:cNvGrpSpPr/>
+        <p:nvPr/>
+      </p:nvGrpSpPr>
+      <p:grpSpPr>
+        <a:xfrm>
+          <a:off x="0" y="0"/>
+          <a:ext cx="0" cy="0"/>
+          <a:chOff x="0" y="0"/>
+          <a:chExt cx="0" cy="0"/>
+        </a:xfrm>
+      </p:grpSpPr>
+      <p:cxnSp>
+        <p:nvCxnSpPr>
+          <p:cNvPr id="146" name="Google Shape;146;p5"/>
+          <p:cNvCxnSpPr/>
+          <p:nvPr/>
+        </p:nvCxnSpPr>
+        <p:spPr>
+          <a:xfrm>
+            <a:off x="2659949" y="817268"/>
+            <a:ext cx="3620700" cy="0"/>
+          </a:xfrm>
+          <a:prstGeom prst="straightConnector1">
+            <a:avLst/>
+          </a:prstGeom>
+          <a:noFill/>
+          <a:ln w="9525" cap="flat" cmpd="sng">
+            <a:solidFill>
+              <a:schemeClr val="dk2"/>
+            </a:solidFill>
+            <a:prstDash val="solid"/>
+            <a:round/>
+            <a:headEnd type="none" w="sm" len="sm"/>
+            <a:tailEnd type="none" w="sm" len="sm"/>
+          </a:ln>
+        </p:spPr>
+      </p:cxnSp>
+      <p:sp>
+        <p:nvSpPr>
+          <p:cNvPr id="147" name="Google Shape;147;p5"/>
+          <p:cNvSpPr txBox="1">
+            <a:spLocks noGrp="1"/>
+          </p:cNvSpPr>
+          <p:nvPr>
+            <p:ph type="title"/>
+          </p:nvPr>
+        </p:nvSpPr>
+        <p:spPr>
+          <a:xfrm>
+            <a:off x="692444" y="265774"/>
+            <a:ext cx="7717500" cy="478200"/>
+          </a:xfrm>
+          <a:prstGeom prst="rect">
+            <a:avLst/>
+          </a:prstGeom>
+          <a:noFill/>
+          <a:ln>
+            <a:noFill/>
+          </a:ln>
+        </p:spPr>
+        <p:txBody>
+          <a:bodyPr spcFirstLastPara="1" wrap="square" lIns="91425" tIns="91425" rIns="91425" bIns="91425" anchor="ctr" anchorCtr="0">
+            <a:noAutofit/>
+          </a:bodyPr>
+          <a:lstStyle/>
+          <a:p>
+            <a:pPr lvl="0"/>
+            <a:r>
+              <a:rPr lang="en-US" sz="3200" dirty="0"/>
+              <a:t>Literature </a:t>
+            </a:r>
+            <a:r>
+              <a:rPr lang="en-US" sz="3200" dirty="0" smtClean="0"/>
+              <a:t>Review</a:t>
+            </a:r>
+            <a:endParaRPr dirty="0"/>
+          </a:p>
+        </p:txBody>
+      </p:sp>
+      <p:sp>
+        <p:nvSpPr>
+          <p:cNvPr id="148" name="Google Shape;148;p5"/>
+          <p:cNvSpPr txBox="1">
+            <a:spLocks noGrp="1"/>
+          </p:cNvSpPr>
+          <p:nvPr>
+            <p:ph type="body" idx="1"/>
+          </p:nvPr>
+        </p:nvSpPr>
+        <p:spPr>
+          <a:xfrm>
+            <a:off x="757180" y="890563"/>
+            <a:ext cx="7925573" cy="3843278"/>
+          </a:xfrm>
+          <a:prstGeom prst="rect">
+            <a:avLst/>
+          </a:prstGeom>
+          <a:noFill/>
+          <a:ln>
+            <a:noFill/>
+          </a:ln>
+        </p:spPr>
+        <p:txBody>
+          <a:bodyPr spcFirstLastPara="1" wrap="square" lIns="91425" tIns="91425" rIns="91425" bIns="91425" anchor="t" anchorCtr="0">
+            <a:noAutofit/>
+          </a:bodyPr>
+          <a:lstStyle/>
+          <a:p>
+            <a:pPr marL="139700" indent="0" algn="just">
+              <a:buNone/>
+            </a:pPr>
+            <a:r>
+              <a:rPr lang="en-US" sz="1600" b="1" dirty="0"/>
+              <a:t>"Math Anxiety, Working Memory, and Math Achievement" </a:t>
+            </a:r>
+          </a:p>
+          <a:p>
+            <a:pPr algn="just"/>
+            <a:r>
+              <a:rPr lang="en-US" dirty="0"/>
+              <a:t>The paper also discusses the potential role of cognitive load in the relationship between working memory, math performance, and math anxiety. </a:t>
+            </a:r>
+            <a:endParaRPr lang="en-US" dirty="0" smtClean="0"/>
+          </a:p>
+          <a:p>
+            <a:pPr marL="139700" indent="0" algn="just">
+              <a:buNone/>
+            </a:pPr>
+            <a:r>
+              <a:rPr lang="en-US" dirty="0" smtClean="0"/>
+              <a:t>● </a:t>
+            </a:r>
+            <a:r>
+              <a:rPr lang="en-US" dirty="0"/>
+              <a:t>Cognitive load refers to the amount of mental effort required to complete a task, and it is suggested that high cognitive load can reduce working memory capacity and increase math anxiety. </a:t>
+            </a:r>
+            <a:endParaRPr lang="en-US" dirty="0" smtClean="0"/>
+          </a:p>
+          <a:p>
+            <a:pPr marL="139700" indent="0" algn="just">
+              <a:buNone/>
+            </a:pPr>
+            <a:r>
+              <a:rPr lang="en-US" dirty="0" smtClean="0"/>
+              <a:t>● </a:t>
+            </a:r>
+            <a:r>
+              <a:rPr lang="en-US" dirty="0"/>
+              <a:t>Overall, the paper highlights the complex interplay between working memory, math performance, and math anxiety, and the need for further research and interventions to help individuals overcome math anxiety and improve their math performance</a:t>
+            </a:r>
+            <a:r>
+              <a:rPr lang="en-US" dirty="0" smtClean="0"/>
+              <a:t>.</a:t>
+            </a:r>
+          </a:p>
+          <a:p>
+            <a:pPr marL="139700" indent="0" algn="just">
+              <a:buNone/>
+            </a:pPr>
+            <a:r>
+              <a:rPr lang="en-US" dirty="0" smtClean="0"/>
+              <a:t> </a:t>
+            </a:r>
+            <a:r>
+              <a:rPr lang="en-US" sz="1600" b="1" dirty="0"/>
+              <a:t>"Cognitive Psychology and Simple Arithmetic: A Review and Summary of New </a:t>
+            </a:r>
+            <a:r>
+              <a:rPr lang="en-US" sz="1600" b="1" dirty="0" smtClean="0"/>
+              <a:t>Directions“</a:t>
+            </a:r>
+          </a:p>
+          <a:p>
+            <a:pPr algn="just"/>
+            <a:r>
+              <a:rPr lang="en-US" sz="1600" b="1" dirty="0" smtClean="0"/>
+              <a:t> </a:t>
+            </a:r>
+            <a:r>
+              <a:rPr lang="en-US" dirty="0"/>
+              <a:t>The paper provides a thorough review of research in cognitive psychology on simple arithmetic, including the role of working memory, long-term memory, and cognitive strategies in arithmetic performance. </a:t>
+            </a:r>
+            <a:endParaRPr lang="en-US" dirty="0" smtClean="0"/>
+          </a:p>
+          <a:p>
+            <a:pPr algn="just"/>
+            <a:r>
+              <a:rPr lang="en-US" dirty="0"/>
+              <a:t>The review highlights the need for further research to understand the cognitive processes involved in simple arithmetic and develop effective interventions.</a:t>
+            </a:r>
+            <a:endParaRPr lang="en-US" dirty="0" smtClean="0"/>
+          </a:p>
+          <a:p>
+            <a:pPr algn="just"/>
+            <a:endParaRPr lang="en-US" dirty="0" smtClean="0"/>
+          </a:p>
+          <a:p>
+            <a:pPr algn="just"/>
+            <a:endParaRPr dirty="0">
+              <a:solidFill>
+                <a:schemeClr val="dk1"/>
+              </a:solidFill>
+              <a:latin typeface="Roboto"/>
+              <a:ea typeface="Roboto"/>
+              <a:cs typeface="Roboto"/>
+              <a:sym typeface="Roboto"/>
+            </a:endParaRPr>
+          </a:p>
+        </p:txBody>
+      </p:sp>
+    </p:spTree>
+    <p:extLst>
+      <p:ext uri="{BB962C8B-B14F-4D97-AF65-F5344CB8AC3E}">
+        <p14:creationId xmlns:p14="http://schemas.microsoft.com/office/powerpoint/2010/main" val="4264780939"/>
+      </p:ext>
+    </p:extLst>
+  </p:cSld>
+  <p:clrMapOvr>
+    <a:masterClrMapping/>
+  </p:clrMapOvr>
+</p:sld>
+</file>
+
+<file path=ppt/slides/slide11.xml><?xml version="1.0" encoding="utf-8"?>
+<p:sld xmlns:a="http://schemas.openxmlformats.org/drawingml/2006/main" xmlns:r="http://schemas.openxmlformats.org/officeDocument/2006/relationships" xmlns:p="http://schemas.openxmlformats.org/presentationml/2006/main">
+  <p:cSld>
+    <p:spTree>
+      <p:nvGrpSpPr>
+        <p:cNvPr id="1" name="Shape 355"/>
+        <p:cNvGrpSpPr/>
+        <p:nvPr/>
+      </p:nvGrpSpPr>
+      <p:grpSpPr>
+        <a:xfrm>
+          <a:off x="0" y="0"/>
+          <a:ext cx="0" cy="0"/>
+          <a:chOff x="0" y="0"/>
+          <a:chExt cx="0" cy="0"/>
+        </a:xfrm>
+      </p:grpSpPr>
+      <p:sp>
+        <p:nvSpPr>
+          <p:cNvPr id="356" name="Google Shape;356;p29"/>
+          <p:cNvSpPr txBox="1">
+            <a:spLocks noGrp="1"/>
+          </p:cNvSpPr>
+          <p:nvPr>
+            <p:ph type="title"/>
+          </p:nvPr>
+        </p:nvSpPr>
+        <p:spPr>
+          <a:xfrm>
+            <a:off x="2280750" y="1762800"/>
+            <a:ext cx="4582500" cy="1617900"/>
+          </a:xfrm>
+          <a:prstGeom prst="rect">
+            <a:avLst/>
+          </a:prstGeom>
+          <a:noFill/>
+          <a:ln>
+            <a:noFill/>
+          </a:ln>
+        </p:spPr>
+        <p:txBody>
+          <a:bodyPr spcFirstLastPara="1" wrap="square" lIns="91425" tIns="91425" rIns="91425" bIns="91425" anchor="ctr" anchorCtr="0">
+            <a:noAutofit/>
+          </a:bodyPr>
+          <a:lstStyle/>
+          <a:p>
+            <a:pPr marL="0" lvl="0" indent="0" algn="ctr" rtl="0">
+              <a:lnSpc>
+                <a:spcPct val="75000"/>
+              </a:lnSpc>
+              <a:spcBef>
+                <a:spcPts val="0"/>
+              </a:spcBef>
+              <a:spcAft>
+                <a:spcPts val="0"/>
+              </a:spcAft>
+              <a:buSzPts val="7200"/>
+              <a:buNone/>
+            </a:pPr>
+            <a:r>
+              <a:rPr lang="en-US">
+                <a:solidFill>
+                  <a:schemeClr val="dk1"/>
+                </a:solidFill>
+              </a:rPr>
+              <a:t>Thank</a:t>
+            </a:r>
+            <a:r>
+              <a:rPr lang="en-US">
+                <a:solidFill>
+                  <a:schemeClr val="dk2"/>
+                </a:solidFill>
+              </a:rPr>
+              <a:t> </a:t>
+            </a:r>
+            <a:br>
+              <a:rPr lang="en-US">
+                <a:solidFill>
+                  <a:schemeClr val="dk2"/>
+                </a:solidFill>
+              </a:rPr>
+            </a:br>
+            <a:r>
+              <a:rPr lang="en-US">
+                <a:solidFill>
+                  <a:schemeClr val="dk2"/>
+                </a:solidFill>
+              </a:rPr>
+              <a:t>You</a:t>
+            </a:r>
+            <a:endParaRPr>
+              <a:solidFill>
+                <a:schemeClr val="dk2"/>
+              </a:solidFill>
+            </a:endParaRPr>
+          </a:p>
+        </p:txBody>
+      </p:sp>
+      <p:cxnSp>
+        <p:nvCxnSpPr>
+          <p:cNvPr id="357" name="Google Shape;357;p29"/>
+          <p:cNvCxnSpPr/>
+          <p:nvPr/>
+        </p:nvCxnSpPr>
+        <p:spPr>
+          <a:xfrm rot="10800000">
+            <a:off x="3407250" y="3526975"/>
+            <a:ext cx="2329500" cy="0"/>
+          </a:xfrm>
+          <a:prstGeom prst="straightConnector1">
+            <a:avLst/>
+          </a:prstGeom>
+          <a:noFill/>
+          <a:ln w="9525" cap="flat" cmpd="sng">
+            <a:solidFill>
+              <a:schemeClr val="dk2"/>
+            </a:solidFill>
+            <a:prstDash val="solid"/>
+            <a:round/>
+            <a:headEnd type="none" w="sm" len="sm"/>
+            <a:tailEnd type="none" w="sm" len="sm"/>
+          </a:ln>
+        </p:spPr>
+      </p:cxnSp>
+    </p:spTree>
+  </p:cSld>
+  <p:clrMapOvr>
+    <a:masterClrMapping/>
+  </p:clrMapOvr>
+</p:sld>
+</file>
+
 <file path=ppt/slides/slide2.xml><?xml version="1.0" encoding="utf-8"?>
 <p:sld xmlns:a="http://schemas.openxmlformats.org/drawingml/2006/main" xmlns:r="http://schemas.openxmlformats.org/officeDocument/2006/relationships" xmlns:p="http://schemas.openxmlformats.org/presentationml/2006/main">
   <p:cSld>
@@ -8918,6 +9535,346 @@
 </file>
 
 <file path=ppt/slides/slide3.xml><?xml version="1.0" encoding="utf-8"?>
+<p:sld xmlns:a="http://schemas.openxmlformats.org/drawingml/2006/main" xmlns:r="http://schemas.openxmlformats.org/officeDocument/2006/relationships" xmlns:p="http://schemas.openxmlformats.org/presentationml/2006/main">
+  <p:cSld>
+    <p:spTree>
+      <p:nvGrpSpPr>
+        <p:cNvPr id="1" name="Shape 152"/>
+        <p:cNvGrpSpPr/>
+        <p:nvPr/>
+      </p:nvGrpSpPr>
+      <p:grpSpPr>
+        <a:xfrm>
+          <a:off x="0" y="0"/>
+          <a:ext cx="0" cy="0"/>
+          <a:chOff x="0" y="0"/>
+          <a:chExt cx="0" cy="0"/>
+        </a:xfrm>
+      </p:grpSpPr>
+      <p:cxnSp>
+        <p:nvCxnSpPr>
+          <p:cNvPr id="153" name="Google Shape;153;p6"/>
+          <p:cNvCxnSpPr/>
+          <p:nvPr/>
+        </p:nvCxnSpPr>
+        <p:spPr>
+          <a:xfrm>
+            <a:off x="2740869" y="1796404"/>
+            <a:ext cx="3620700" cy="0"/>
+          </a:xfrm>
+          <a:prstGeom prst="straightConnector1">
+            <a:avLst/>
+          </a:prstGeom>
+          <a:noFill/>
+          <a:ln w="9525" cap="flat" cmpd="sng">
+            <a:solidFill>
+              <a:schemeClr val="dk2"/>
+            </a:solidFill>
+            <a:prstDash val="solid"/>
+            <a:round/>
+            <a:headEnd type="none" w="sm" len="sm"/>
+            <a:tailEnd type="none" w="sm" len="sm"/>
+          </a:ln>
+        </p:spPr>
+      </p:cxnSp>
+      <p:sp>
+        <p:nvSpPr>
+          <p:cNvPr id="154" name="Google Shape;154;p6"/>
+          <p:cNvSpPr txBox="1">
+            <a:spLocks noGrp="1"/>
+          </p:cNvSpPr>
+          <p:nvPr>
+            <p:ph type="title"/>
+          </p:nvPr>
+        </p:nvSpPr>
+        <p:spPr>
+          <a:xfrm>
+            <a:off x="692444" y="1277279"/>
+            <a:ext cx="7717500" cy="478200"/>
+          </a:xfrm>
+          <a:prstGeom prst="rect">
+            <a:avLst/>
+          </a:prstGeom>
+          <a:noFill/>
+          <a:ln>
+            <a:noFill/>
+          </a:ln>
+        </p:spPr>
+        <p:txBody>
+          <a:bodyPr spcFirstLastPara="1" wrap="square" lIns="91425" tIns="91425" rIns="91425" bIns="91425" anchor="ctr" anchorCtr="0">
+            <a:noAutofit/>
+          </a:bodyPr>
+          <a:lstStyle/>
+          <a:p>
+            <a:pPr marL="0" lvl="0" indent="0" algn="ctr" rtl="0">
+              <a:lnSpc>
+                <a:spcPct val="100000"/>
+              </a:lnSpc>
+              <a:spcBef>
+                <a:spcPts val="0"/>
+              </a:spcBef>
+              <a:spcAft>
+                <a:spcPts val="0"/>
+              </a:spcAft>
+              <a:buSzPts val="3300"/>
+              <a:buNone/>
+            </a:pPr>
+            <a:r>
+              <a:rPr lang="en-US" sz="3200" dirty="0"/>
+              <a:t>Motivation </a:t>
+            </a:r>
+            <a:endParaRPr dirty="0"/>
+          </a:p>
+        </p:txBody>
+      </p:sp>
+      <p:sp>
+        <p:nvSpPr>
+          <p:cNvPr id="155" name="Google Shape;155;p6"/>
+          <p:cNvSpPr txBox="1">
+            <a:spLocks noGrp="1"/>
+          </p:cNvSpPr>
+          <p:nvPr>
+            <p:ph type="body" idx="1"/>
+          </p:nvPr>
+        </p:nvSpPr>
+        <p:spPr>
+          <a:xfrm>
+            <a:off x="692444" y="2045545"/>
+            <a:ext cx="7717500" cy="2173163"/>
+          </a:xfrm>
+          <a:prstGeom prst="rect">
+            <a:avLst/>
+          </a:prstGeom>
+          <a:noFill/>
+          <a:ln>
+            <a:noFill/>
+          </a:ln>
+        </p:spPr>
+        <p:txBody>
+          <a:bodyPr spcFirstLastPara="1" wrap="square" lIns="91425" tIns="91425" rIns="91425" bIns="91425" anchor="t" anchorCtr="0">
+            <a:noAutofit/>
+          </a:bodyPr>
+          <a:lstStyle/>
+          <a:p>
+            <a:pPr algn="just"/>
+            <a:r>
+              <a:rPr lang="en-US" sz="1600" dirty="0"/>
+              <a:t>Identifying and addressing mathematical anxiety.</a:t>
+            </a:r>
+          </a:p>
+          <a:p>
+            <a:pPr algn="just"/>
+            <a:r>
+              <a:rPr lang="en-US" sz="1600" dirty="0"/>
+              <a:t>Help create a more inclusive and supportive learning environment.</a:t>
+            </a:r>
+          </a:p>
+          <a:p>
+            <a:pPr algn="just"/>
+            <a:r>
+              <a:rPr lang="en-US" sz="1600" dirty="0"/>
+              <a:t>Early identification of mathematical deficiency anxiety.</a:t>
+            </a:r>
+          </a:p>
+          <a:p>
+            <a:pPr algn="just"/>
+            <a:r>
+              <a:rPr lang="en-US" sz="1600" dirty="0">
+                <a:solidFill>
+                  <a:schemeClr val="dk1"/>
+                </a:solidFill>
+              </a:rPr>
+              <a:t>Help user to understand in which program he/she should focus more</a:t>
+            </a:r>
+            <a:endParaRPr lang="en-US" sz="1600" dirty="0"/>
+          </a:p>
+        </p:txBody>
+      </p:sp>
+    </p:spTree>
+    <p:extLst>
+      <p:ext uri="{BB962C8B-B14F-4D97-AF65-F5344CB8AC3E}">
+        <p14:creationId xmlns:p14="http://schemas.microsoft.com/office/powerpoint/2010/main" val="1753267682"/>
+      </p:ext>
+    </p:extLst>
+  </p:cSld>
+  <p:clrMapOvr>
+    <a:masterClrMapping/>
+  </p:clrMapOvr>
+</p:sld>
+</file>
+
+<file path=ppt/slides/slide4.xml><?xml version="1.0" encoding="utf-8"?>
+<p:sld xmlns:a="http://schemas.openxmlformats.org/drawingml/2006/main" xmlns:r="http://schemas.openxmlformats.org/officeDocument/2006/relationships" xmlns:p="http://schemas.openxmlformats.org/presentationml/2006/main">
+  <p:cSld>
+    <p:spTree>
+      <p:nvGrpSpPr>
+        <p:cNvPr id="1" name="Shape 159"/>
+        <p:cNvGrpSpPr/>
+        <p:nvPr/>
+      </p:nvGrpSpPr>
+      <p:grpSpPr>
+        <a:xfrm>
+          <a:off x="0" y="0"/>
+          <a:ext cx="0" cy="0"/>
+          <a:chOff x="0" y="0"/>
+          <a:chExt cx="0" cy="0"/>
+        </a:xfrm>
+      </p:grpSpPr>
+      <p:cxnSp>
+        <p:nvCxnSpPr>
+          <p:cNvPr id="160" name="Google Shape;160;p7"/>
+          <p:cNvCxnSpPr/>
+          <p:nvPr/>
+        </p:nvCxnSpPr>
+        <p:spPr>
+          <a:xfrm>
+            <a:off x="2740869" y="1796404"/>
+            <a:ext cx="3620700" cy="0"/>
+          </a:xfrm>
+          <a:prstGeom prst="straightConnector1">
+            <a:avLst/>
+          </a:prstGeom>
+          <a:noFill/>
+          <a:ln w="9525" cap="flat" cmpd="sng">
+            <a:solidFill>
+              <a:schemeClr val="dk2"/>
+            </a:solidFill>
+            <a:prstDash val="solid"/>
+            <a:round/>
+            <a:headEnd type="none" w="sm" len="sm"/>
+            <a:tailEnd type="none" w="sm" len="sm"/>
+          </a:ln>
+        </p:spPr>
+      </p:cxnSp>
+      <p:sp>
+        <p:nvSpPr>
+          <p:cNvPr id="161" name="Google Shape;161;p7"/>
+          <p:cNvSpPr txBox="1">
+            <a:spLocks noGrp="1"/>
+          </p:cNvSpPr>
+          <p:nvPr>
+            <p:ph type="title"/>
+          </p:nvPr>
+        </p:nvSpPr>
+        <p:spPr>
+          <a:xfrm>
+            <a:off x="692444" y="1003412"/>
+            <a:ext cx="7717500" cy="917563"/>
+          </a:xfrm>
+          <a:prstGeom prst="rect">
+            <a:avLst/>
+          </a:prstGeom>
+          <a:noFill/>
+          <a:ln>
+            <a:noFill/>
+          </a:ln>
+        </p:spPr>
+        <p:txBody>
+          <a:bodyPr spcFirstLastPara="1" wrap="square" lIns="91425" tIns="91425" rIns="91425" bIns="91425" anchor="ctr" anchorCtr="0">
+            <a:noAutofit/>
+          </a:bodyPr>
+          <a:lstStyle/>
+          <a:p>
+            <a:pPr marL="0" lvl="0" indent="0" algn="ctr" rtl="0">
+              <a:lnSpc>
+                <a:spcPct val="100000"/>
+              </a:lnSpc>
+              <a:spcBef>
+                <a:spcPts val="0"/>
+              </a:spcBef>
+              <a:spcAft>
+                <a:spcPts val="0"/>
+              </a:spcAft>
+              <a:buSzPts val="3300"/>
+              <a:buNone/>
+            </a:pPr>
+            <a:r>
+              <a:rPr lang="en-US" sz="3200" dirty="0"/>
+              <a:t>Project Proposal</a:t>
+            </a:r>
+            <a:br>
+              <a:rPr lang="en-US" sz="3200" dirty="0"/>
+            </a:br>
+            <a:r>
+              <a:rPr lang="en-US" sz="3200" dirty="0"/>
+              <a:t> </a:t>
+            </a:r>
+            <a:endParaRPr sz="3200" dirty="0"/>
+          </a:p>
+        </p:txBody>
+      </p:sp>
+      <p:sp>
+        <p:nvSpPr>
+          <p:cNvPr id="162" name="Google Shape;162;p7"/>
+          <p:cNvSpPr txBox="1">
+            <a:spLocks noGrp="1"/>
+          </p:cNvSpPr>
+          <p:nvPr>
+            <p:ph type="body" idx="1"/>
+          </p:nvPr>
+        </p:nvSpPr>
+        <p:spPr>
+          <a:xfrm>
+            <a:off x="692444" y="2045545"/>
+            <a:ext cx="7717500" cy="2173163"/>
+          </a:xfrm>
+          <a:prstGeom prst="rect">
+            <a:avLst/>
+          </a:prstGeom>
+          <a:noFill/>
+          <a:ln>
+            <a:noFill/>
+          </a:ln>
+        </p:spPr>
+        <p:txBody>
+          <a:bodyPr spcFirstLastPara="1" wrap="square" lIns="91425" tIns="91425" rIns="91425" bIns="91425" anchor="t" anchorCtr="0">
+            <a:noAutofit/>
+          </a:bodyPr>
+          <a:lstStyle/>
+          <a:p>
+            <a:pPr marL="139700" lvl="0" indent="0" algn="just" rtl="0">
+              <a:lnSpc>
+                <a:spcPct val="100000"/>
+              </a:lnSpc>
+              <a:spcBef>
+                <a:spcPts val="0"/>
+              </a:spcBef>
+              <a:spcAft>
+                <a:spcPts val="0"/>
+              </a:spcAft>
+              <a:buSzPts val="1400"/>
+              <a:buNone/>
+            </a:pPr>
+            <a:r>
+              <a:rPr lang="en-US" dirty="0"/>
+              <a:t>Our research proposed a system called ”Cloud Based Automated Mathematical Deficiency and Anxiety Identification System” that automatically diagnoses math deficiencies and anxiety. The system conducts several tests according to different classes and ages and provides an actual result of deficiency and anxiety based on the results of all the tests. This result will help to work on reducing math anxiety and deficiency.</a:t>
+            </a:r>
+            <a:endParaRPr sz="1200" dirty="0">
+              <a:solidFill>
+                <a:schemeClr val="dk1"/>
+              </a:solidFill>
+              <a:latin typeface="Roboto"/>
+              <a:ea typeface="Roboto"/>
+              <a:cs typeface="Roboto"/>
+              <a:sym typeface="Roboto"/>
+            </a:endParaRPr>
+          </a:p>
+        </p:txBody>
+      </p:sp>
+    </p:spTree>
+    <p:extLst>
+      <p:ext uri="{BB962C8B-B14F-4D97-AF65-F5344CB8AC3E}">
+        <p14:creationId xmlns:p14="http://schemas.microsoft.com/office/powerpoint/2010/main" val="1342456833"/>
+      </p:ext>
+    </p:extLst>
+  </p:cSld>
+  <p:clrMapOvr>
+    <a:masterClrMapping/>
+  </p:clrMapOvr>
+</p:sld>
+</file>
+
+<file path=ppt/slides/slide5.xml><?xml version="1.0" encoding="utf-8"?>
 <p:sld xmlns:a="http://schemas.openxmlformats.org/drawingml/2006/main" xmlns:r="http://schemas.openxmlformats.org/officeDocument/2006/relationships" xmlns:p="http://schemas.openxmlformats.org/presentationml/2006/main">
   <p:cSld>
     <p:spTree>
@@ -9123,7 +10080,6 @@
               <a:rPr lang="en-US" dirty="0"/>
               <a:t>This decreases avoidant goal orientation and failure dread while raising ratings for self-efficacy and control.</a:t>
             </a:r>
-            <a:endParaRPr lang="en-US" dirty="0"/>
           </a:p>
           <a:p>
             <a:pPr algn="just"/>
@@ -9160,7 +10116,7 @@
 </p:sld>
 </file>
 
-<file path=ppt/slides/slide4.xml><?xml version="1.0" encoding="utf-8"?>
+<file path=ppt/slides/slide6.xml><?xml version="1.0" encoding="utf-8"?>
 <p:sld xmlns:a="http://schemas.openxmlformats.org/drawingml/2006/main" xmlns:r="http://schemas.openxmlformats.org/officeDocument/2006/relationships" xmlns:p="http://schemas.openxmlformats.org/presentationml/2006/main">
   <p:cSld>
     <p:spTree>
@@ -9403,7 +10359,7 @@
 </p:sld>
 </file>
 
-<file path=ppt/slides/slide5.xml><?xml version="1.0" encoding="utf-8"?>
+<file path=ppt/slides/slide7.xml><?xml version="1.0" encoding="utf-8"?>
 <p:sld xmlns:a="http://schemas.openxmlformats.org/drawingml/2006/main" xmlns:r="http://schemas.openxmlformats.org/officeDocument/2006/relationships" xmlns:p="http://schemas.openxmlformats.org/presentationml/2006/main">
   <p:cSld>
     <p:spTree>
@@ -9607,7 +10563,7 @@
 </p:sld>
 </file>
 
-<file path=ppt/slides/slide6.xml><?xml version="1.0" encoding="utf-8"?>
+<file path=ppt/slides/slide8.xml><?xml version="1.0" encoding="utf-8"?>
 <p:sld xmlns:a="http://schemas.openxmlformats.org/drawingml/2006/main" xmlns:r="http://schemas.openxmlformats.org/officeDocument/2006/relationships" xmlns:p="http://schemas.openxmlformats.org/presentationml/2006/main">
   <p:cSld>
     <p:spTree>
@@ -9794,7 +10750,6 @@
               <a:rPr lang="en-US" dirty="0"/>
               <a:t>The results of this study will contribute to the understanding of the complex relationship between math anxiety, metacognition, and math performance, and may have implications for interventions aimed at improving math achievement</a:t>
             </a:r>
-            <a:endParaRPr lang="en-US" dirty="0"/>
           </a:p>
           <a:p>
             <a:pPr algn="just"/>
@@ -9827,7 +10782,7 @@
 </p:sld>
 </file>
 
-<file path=ppt/slides/slide7.xml><?xml version="1.0" encoding="utf-8"?>
+<file path=ppt/slides/slide9.xml><?xml version="1.0" encoding="utf-8"?>
 <p:sld xmlns:a="http://schemas.openxmlformats.org/drawingml/2006/main" xmlns:r="http://schemas.openxmlformats.org/officeDocument/2006/relationships" xmlns:p="http://schemas.openxmlformats.org/presentationml/2006/main">
   <p:cSld>
     <p:spTree>
@@ -10040,368 +10995,6 @@
         <p14:creationId xmlns:p14="http://schemas.microsoft.com/office/powerpoint/2010/main" val="3697235144"/>
       </p:ext>
     </p:extLst>
-  </p:cSld>
-  <p:clrMapOvr>
-    <a:masterClrMapping/>
-  </p:clrMapOvr>
-</p:sld>
-</file>
-
-<file path=ppt/slides/slide8.xml><?xml version="1.0" encoding="utf-8"?>
-<p:sld xmlns:a="http://schemas.openxmlformats.org/drawingml/2006/main" xmlns:r="http://schemas.openxmlformats.org/officeDocument/2006/relationships" xmlns:p="http://schemas.openxmlformats.org/presentationml/2006/main">
-  <p:cSld>
-    <p:spTree>
-      <p:nvGrpSpPr>
-        <p:cNvPr id="1" name="Shape 145"/>
-        <p:cNvGrpSpPr/>
-        <p:nvPr/>
-      </p:nvGrpSpPr>
-      <p:grpSpPr>
-        <a:xfrm>
-          <a:off x="0" y="0"/>
-          <a:ext cx="0" cy="0"/>
-          <a:chOff x="0" y="0"/>
-          <a:chExt cx="0" cy="0"/>
-        </a:xfrm>
-      </p:grpSpPr>
-      <p:cxnSp>
-        <p:nvCxnSpPr>
-          <p:cNvPr id="146" name="Google Shape;146;p5"/>
-          <p:cNvCxnSpPr/>
-          <p:nvPr/>
-        </p:nvCxnSpPr>
-        <p:spPr>
-          <a:xfrm>
-            <a:off x="2659949" y="817268"/>
-            <a:ext cx="3620700" cy="0"/>
-          </a:xfrm>
-          <a:prstGeom prst="straightConnector1">
-            <a:avLst/>
-          </a:prstGeom>
-          <a:noFill/>
-          <a:ln w="9525" cap="flat" cmpd="sng">
-            <a:solidFill>
-              <a:schemeClr val="dk2"/>
-            </a:solidFill>
-            <a:prstDash val="solid"/>
-            <a:round/>
-            <a:headEnd type="none" w="sm" len="sm"/>
-            <a:tailEnd type="none" w="sm" len="sm"/>
-          </a:ln>
-        </p:spPr>
-      </p:cxnSp>
-      <p:sp>
-        <p:nvSpPr>
-          <p:cNvPr id="147" name="Google Shape;147;p5"/>
-          <p:cNvSpPr txBox="1">
-            <a:spLocks noGrp="1"/>
-          </p:cNvSpPr>
-          <p:nvPr>
-            <p:ph type="title"/>
-          </p:nvPr>
-        </p:nvSpPr>
-        <p:spPr>
-          <a:xfrm>
-            <a:off x="692444" y="265774"/>
-            <a:ext cx="7717500" cy="478200"/>
-          </a:xfrm>
-          <a:prstGeom prst="rect">
-            <a:avLst/>
-          </a:prstGeom>
-          <a:noFill/>
-          <a:ln>
-            <a:noFill/>
-          </a:ln>
-        </p:spPr>
-        <p:txBody>
-          <a:bodyPr spcFirstLastPara="1" wrap="square" lIns="91425" tIns="91425" rIns="91425" bIns="91425" anchor="ctr" anchorCtr="0">
-            <a:noAutofit/>
-          </a:bodyPr>
-          <a:lstStyle/>
-          <a:p>
-            <a:pPr lvl="0"/>
-            <a:r>
-              <a:rPr lang="en-US" sz="3200" dirty="0"/>
-              <a:t>Literature </a:t>
-            </a:r>
-            <a:r>
-              <a:rPr lang="en-US" sz="3200" dirty="0" smtClean="0"/>
-              <a:t>Review</a:t>
-            </a:r>
-            <a:endParaRPr dirty="0"/>
-          </a:p>
-        </p:txBody>
-      </p:sp>
-      <p:sp>
-        <p:nvSpPr>
-          <p:cNvPr id="148" name="Google Shape;148;p5"/>
-          <p:cNvSpPr txBox="1">
-            <a:spLocks noGrp="1"/>
-          </p:cNvSpPr>
-          <p:nvPr>
-            <p:ph type="body" idx="1"/>
-          </p:nvPr>
-        </p:nvSpPr>
-        <p:spPr>
-          <a:xfrm>
-            <a:off x="757180" y="890563"/>
-            <a:ext cx="7925573" cy="3843278"/>
-          </a:xfrm>
-          <a:prstGeom prst="rect">
-            <a:avLst/>
-          </a:prstGeom>
-          <a:noFill/>
-          <a:ln>
-            <a:noFill/>
-          </a:ln>
-        </p:spPr>
-        <p:txBody>
-          <a:bodyPr spcFirstLastPara="1" wrap="square" lIns="91425" tIns="91425" rIns="91425" bIns="91425" anchor="t" anchorCtr="0">
-            <a:noAutofit/>
-          </a:bodyPr>
-          <a:lstStyle/>
-          <a:p>
-            <a:pPr marL="139700" indent="0" algn="just">
-              <a:buNone/>
-            </a:pPr>
-            <a:r>
-              <a:rPr lang="en-US" sz="1600" b="1" dirty="0"/>
-              <a:t>"Math Anxiety, Working Memory, and Math Achievement" </a:t>
-            </a:r>
-            <a:endParaRPr lang="en-US" sz="1600" b="1" dirty="0"/>
-          </a:p>
-          <a:p>
-            <a:pPr algn="just"/>
-            <a:r>
-              <a:rPr lang="en-US" dirty="0"/>
-              <a:t>The paper also discusses the potential role of cognitive load in the relationship between working memory, math performance, and math anxiety. </a:t>
-            </a:r>
-            <a:endParaRPr lang="en-US" dirty="0" smtClean="0"/>
-          </a:p>
-          <a:p>
-            <a:pPr marL="139700" indent="0" algn="just">
-              <a:buNone/>
-            </a:pPr>
-            <a:r>
-              <a:rPr lang="en-US" dirty="0" smtClean="0"/>
-              <a:t>● </a:t>
-            </a:r>
-            <a:r>
-              <a:rPr lang="en-US" dirty="0"/>
-              <a:t>Cognitive load refers to the amount of mental effort required to complete a task, and it is suggested that high cognitive load can reduce working memory capacity and increase math anxiety. </a:t>
-            </a:r>
-            <a:endParaRPr lang="en-US" dirty="0" smtClean="0"/>
-          </a:p>
-          <a:p>
-            <a:pPr marL="139700" indent="0" algn="just">
-              <a:buNone/>
-            </a:pPr>
-            <a:r>
-              <a:rPr lang="en-US" dirty="0" smtClean="0"/>
-              <a:t>● </a:t>
-            </a:r>
-            <a:r>
-              <a:rPr lang="en-US" dirty="0"/>
-              <a:t>Overall, the paper highlights the complex interplay between working memory, math performance, and math anxiety, and the need for further research and interventions to help individuals overcome math anxiety and improve their math performance</a:t>
-            </a:r>
-            <a:r>
-              <a:rPr lang="en-US" dirty="0" smtClean="0"/>
-              <a:t>.</a:t>
-            </a:r>
-          </a:p>
-          <a:p>
-            <a:pPr marL="139700" indent="0" algn="just">
-              <a:buNone/>
-            </a:pPr>
-            <a:r>
-              <a:rPr lang="en-US" dirty="0" smtClean="0"/>
-              <a:t> </a:t>
-            </a:r>
-            <a:r>
-              <a:rPr lang="en-US" sz="1600" b="1" dirty="0"/>
-              <a:t>"Cognitive Psychology and Simple Arithmetic: A Review and Summary of New </a:t>
-            </a:r>
-            <a:r>
-              <a:rPr lang="en-US" sz="1600" b="1" dirty="0" smtClean="0"/>
-              <a:t>Directions“</a:t>
-            </a:r>
-          </a:p>
-          <a:p>
-            <a:pPr algn="just"/>
-            <a:r>
-              <a:rPr lang="en-US" sz="1600" b="1" dirty="0" smtClean="0"/>
-              <a:t> </a:t>
-            </a:r>
-            <a:r>
-              <a:rPr lang="en-US" dirty="0"/>
-              <a:t>The paper provides a thorough review of research in cognitive psychology on simple arithmetic, including the role of working memory, long-term memory, and cognitive strategies in arithmetic performance. </a:t>
-            </a:r>
-            <a:endParaRPr lang="en-US" dirty="0" smtClean="0"/>
-          </a:p>
-          <a:p>
-            <a:pPr algn="just"/>
-            <a:r>
-              <a:rPr lang="en-US" dirty="0"/>
-              <a:t>The review highlights the need for further research to understand the cognitive processes involved in simple arithmetic and develop effective interventions.</a:t>
-            </a:r>
-            <a:endParaRPr lang="en-US" dirty="0" smtClean="0"/>
-          </a:p>
-          <a:p>
-            <a:pPr algn="just"/>
-            <a:endParaRPr lang="en-US" dirty="0" smtClean="0"/>
-          </a:p>
-          <a:p>
-            <a:pPr algn="just"/>
-            <a:endParaRPr dirty="0">
-              <a:solidFill>
-                <a:schemeClr val="dk1"/>
-              </a:solidFill>
-              <a:latin typeface="Roboto"/>
-              <a:ea typeface="Roboto"/>
-              <a:cs typeface="Roboto"/>
-              <a:sym typeface="Roboto"/>
-            </a:endParaRPr>
-          </a:p>
-        </p:txBody>
-      </p:sp>
-    </p:spTree>
-    <p:extLst>
-      <p:ext uri="{BB962C8B-B14F-4D97-AF65-F5344CB8AC3E}">
-        <p14:creationId xmlns:p14="http://schemas.microsoft.com/office/powerpoint/2010/main" val="4264780939"/>
-      </p:ext>
-    </p:extLst>
-  </p:cSld>
-  <p:clrMapOvr>
-    <a:masterClrMapping/>
-  </p:clrMapOvr>
-</p:sld>
-</file>
-
-<file path=ppt/slides/slide9.xml><?xml version="1.0" encoding="utf-8"?>
-<p:sld xmlns:a="http://schemas.openxmlformats.org/drawingml/2006/main" xmlns:r="http://schemas.openxmlformats.org/officeDocument/2006/relationships" xmlns:p="http://schemas.openxmlformats.org/presentationml/2006/main">
-  <p:cSld>
-    <p:spTree>
-      <p:nvGrpSpPr>
-        <p:cNvPr id="1" name="Shape 355"/>
-        <p:cNvGrpSpPr/>
-        <p:nvPr/>
-      </p:nvGrpSpPr>
-      <p:grpSpPr>
-        <a:xfrm>
-          <a:off x="0" y="0"/>
-          <a:ext cx="0" cy="0"/>
-          <a:chOff x="0" y="0"/>
-          <a:chExt cx="0" cy="0"/>
-        </a:xfrm>
-      </p:grpSpPr>
-      <p:sp>
-        <p:nvSpPr>
-          <p:cNvPr id="356" name="Google Shape;356;p29"/>
-          <p:cNvSpPr txBox="1">
-            <a:spLocks noGrp="1"/>
-          </p:cNvSpPr>
-          <p:nvPr>
-            <p:ph type="title"/>
-          </p:nvPr>
-        </p:nvSpPr>
-        <p:spPr>
-          <a:xfrm>
-            <a:off x="2280750" y="1762800"/>
-            <a:ext cx="4582500" cy="1617900"/>
-          </a:xfrm>
-          <a:prstGeom prst="rect">
-            <a:avLst/>
-          </a:prstGeom>
-          <a:noFill/>
-          <a:ln>
-            <a:noFill/>
-          </a:ln>
-        </p:spPr>
-        <p:txBody>
-          <a:bodyPr spcFirstLastPara="1" wrap="square" lIns="91425" tIns="91425" rIns="91425" bIns="91425" anchor="ctr" anchorCtr="0">
-            <a:noAutofit/>
-          </a:bodyPr>
-          <a:lstStyle/>
-          <a:p>
-            <a:pPr marL="0" lvl="0" indent="0" algn="ctr" rtl="0">
-              <a:lnSpc>
-                <a:spcPct val="75000"/>
-              </a:lnSpc>
-              <a:spcBef>
-                <a:spcPts val="0"/>
-              </a:spcBef>
-              <a:spcAft>
-                <a:spcPts val="0"/>
-              </a:spcAft>
-              <a:buSzPts val="7200"/>
-              <a:buNone/>
-            </a:pPr>
-            <a:r>
-              <a:rPr lang="en-US">
-                <a:solidFill>
-                  <a:schemeClr val="dk1"/>
-                </a:solidFill>
-              </a:rPr>
-              <a:t>Thank</a:t>
-            </a:r>
-            <a:r>
-              <a:rPr lang="en-US">
-                <a:solidFill>
-                  <a:schemeClr val="dk2"/>
-                </a:solidFill>
-              </a:rPr>
-              <a:t> </a:t>
-            </a:r>
-            <a:br>
-              <a:rPr lang="en-US">
-                <a:solidFill>
-                  <a:schemeClr val="dk2"/>
-                </a:solidFill>
-              </a:rPr>
-            </a:br>
-            <a:r>
-              <a:rPr lang="en-US">
-                <a:solidFill>
-                  <a:schemeClr val="dk2"/>
-                </a:solidFill>
-              </a:rPr>
-              <a:t>You</a:t>
-            </a:r>
-            <a:endParaRPr>
-              <a:solidFill>
-                <a:schemeClr val="dk2"/>
-              </a:solidFill>
-            </a:endParaRPr>
-          </a:p>
-        </p:txBody>
-      </p:sp>
-      <p:cxnSp>
-        <p:nvCxnSpPr>
-          <p:cNvPr id="357" name="Google Shape;357;p29"/>
-          <p:cNvCxnSpPr/>
-          <p:nvPr/>
-        </p:nvCxnSpPr>
-        <p:spPr>
-          <a:xfrm rot="10800000">
-            <a:off x="3407250" y="3526975"/>
-            <a:ext cx="2329500" cy="0"/>
-          </a:xfrm>
-          <a:prstGeom prst="straightConnector1">
-            <a:avLst/>
-          </a:prstGeom>
-          <a:noFill/>
-          <a:ln w="9525" cap="flat" cmpd="sng">
-            <a:solidFill>
-              <a:schemeClr val="dk2"/>
-            </a:solidFill>
-            <a:prstDash val="solid"/>
-            <a:round/>
-            <a:headEnd type="none" w="sm" len="sm"/>
-            <a:tailEnd type="none" w="sm" len="sm"/>
-          </a:ln>
-        </p:spPr>
-      </p:cxnSp>
-    </p:spTree>
   </p:cSld>
   <p:clrMapOvr>
     <a:masterClrMapping/>
